--- a/신입사원 업무자료_2020_고동욱.pptx
+++ b/신입사원 업무자료_2020_고동욱.pptx
@@ -5,7 +5,7 @@
     <p:sldMasterId id="2147483648" r:id="rId1"/>
   </p:sldMasterIdLst>
   <p:notesMasterIdLst>
-    <p:notesMasterId r:id="rId11"/>
+    <p:notesMasterId r:id="rId13"/>
   </p:notesMasterIdLst>
   <p:sldIdLst>
     <p:sldId id="257" r:id="rId2"/>
@@ -17,6 +17,8 @@
     <p:sldId id="266" r:id="rId8"/>
     <p:sldId id="261" r:id="rId9"/>
     <p:sldId id="262" r:id="rId10"/>
+    <p:sldId id="267" r:id="rId11"/>
+    <p:sldId id="268" r:id="rId12"/>
   </p:sldIdLst>
   <p:sldSz cx="12192000" cy="6858000"/>
   <p:notesSz cx="6858000" cy="9144000"/>
@@ -115,6 +117,14 @@
       </a:defRPr>
     </a:lvl9pPr>
   </p:defaultTextStyle>
+  <p:extLst>
+    <p:ext uri="{EFAFB233-063F-42B5-8137-9DF3F51BA10A}">
+      <p15:sldGuideLst xmlns:p15="http://schemas.microsoft.com/office/powerpoint/2012/main"/>
+    </p:ext>
+    <p:ext uri="{2D200454-40CA-4A62-9FC3-DE9A4176ACB9}">
+      <p15:notesGuideLst xmlns:p15="http://schemas.microsoft.com/office/powerpoint/2012/main"/>
+    </p:ext>
+  </p:extLst>
 </p:presentation>
 </file>
 
@@ -203,7 +213,7 @@
           <a:p>
             <a:fld id="{C7C79E07-F3F7-40D0-B303-769F5BB06328}" type="datetimeFigureOut">
               <a:rPr lang="ko-KR" altLang="en-US" smtClean="0"/>
-              <a:t>2020-12-02</a:t>
+              <a:t>2020-12-04</a:t>
             </a:fld>
             <a:endParaRPr lang="ko-KR" altLang="en-US"/>
           </a:p>
@@ -604,7 +614,7 @@
           <a:p>
             <a:fld id="{3FC02451-0CA3-4790-96E5-5A27B1DD1171}" type="datetimeFigureOut">
               <a:rPr lang="ko-KR" altLang="en-US" smtClean="0"/>
-              <a:t>2020-12-02</a:t>
+              <a:t>2020-12-04</a:t>
             </a:fld>
             <a:endParaRPr lang="ko-KR" altLang="en-US"/>
           </a:p>
@@ -774,7 +784,7 @@
           <a:p>
             <a:fld id="{3FC02451-0CA3-4790-96E5-5A27B1DD1171}" type="datetimeFigureOut">
               <a:rPr lang="ko-KR" altLang="en-US" smtClean="0"/>
-              <a:t>2020-12-02</a:t>
+              <a:t>2020-12-04</a:t>
             </a:fld>
             <a:endParaRPr lang="ko-KR" altLang="en-US"/>
           </a:p>
@@ -954,7 +964,7 @@
           <a:p>
             <a:fld id="{3FC02451-0CA3-4790-96E5-5A27B1DD1171}" type="datetimeFigureOut">
               <a:rPr lang="ko-KR" altLang="en-US" smtClean="0"/>
-              <a:t>2020-12-02</a:t>
+              <a:t>2020-12-04</a:t>
             </a:fld>
             <a:endParaRPr lang="ko-KR" altLang="en-US"/>
           </a:p>
@@ -1124,7 +1134,7 @@
           <a:p>
             <a:fld id="{3FC02451-0CA3-4790-96E5-5A27B1DD1171}" type="datetimeFigureOut">
               <a:rPr lang="ko-KR" altLang="en-US" smtClean="0"/>
-              <a:t>2020-12-02</a:t>
+              <a:t>2020-12-04</a:t>
             </a:fld>
             <a:endParaRPr lang="ko-KR" altLang="en-US"/>
           </a:p>
@@ -1370,7 +1380,7 @@
           <a:p>
             <a:fld id="{3FC02451-0CA3-4790-96E5-5A27B1DD1171}" type="datetimeFigureOut">
               <a:rPr lang="ko-KR" altLang="en-US" smtClean="0"/>
-              <a:t>2020-12-02</a:t>
+              <a:t>2020-12-04</a:t>
             </a:fld>
             <a:endParaRPr lang="ko-KR" altLang="en-US"/>
           </a:p>
@@ -1602,7 +1612,7 @@
           <a:p>
             <a:fld id="{3FC02451-0CA3-4790-96E5-5A27B1DD1171}" type="datetimeFigureOut">
               <a:rPr lang="ko-KR" altLang="en-US" smtClean="0"/>
-              <a:t>2020-12-02</a:t>
+              <a:t>2020-12-04</a:t>
             </a:fld>
             <a:endParaRPr lang="ko-KR" altLang="en-US"/>
           </a:p>
@@ -1969,7 +1979,7 @@
           <a:p>
             <a:fld id="{3FC02451-0CA3-4790-96E5-5A27B1DD1171}" type="datetimeFigureOut">
               <a:rPr lang="ko-KR" altLang="en-US" smtClean="0"/>
-              <a:t>2020-12-02</a:t>
+              <a:t>2020-12-04</a:t>
             </a:fld>
             <a:endParaRPr lang="ko-KR" altLang="en-US"/>
           </a:p>
@@ -2087,7 +2097,7 @@
           <a:p>
             <a:fld id="{3FC02451-0CA3-4790-96E5-5A27B1DD1171}" type="datetimeFigureOut">
               <a:rPr lang="ko-KR" altLang="en-US" smtClean="0"/>
-              <a:t>2020-12-02</a:t>
+              <a:t>2020-12-04</a:t>
             </a:fld>
             <a:endParaRPr lang="ko-KR" altLang="en-US"/>
           </a:p>
@@ -2182,7 +2192,7 @@
           <a:p>
             <a:fld id="{3FC02451-0CA3-4790-96E5-5A27B1DD1171}" type="datetimeFigureOut">
               <a:rPr lang="ko-KR" altLang="en-US" smtClean="0"/>
-              <a:t>2020-12-02</a:t>
+              <a:t>2020-12-04</a:t>
             </a:fld>
             <a:endParaRPr lang="ko-KR" altLang="en-US"/>
           </a:p>
@@ -2459,7 +2469,7 @@
           <a:p>
             <a:fld id="{3FC02451-0CA3-4790-96E5-5A27B1DD1171}" type="datetimeFigureOut">
               <a:rPr lang="ko-KR" altLang="en-US" smtClean="0"/>
-              <a:t>2020-12-02</a:t>
+              <a:t>2020-12-04</a:t>
             </a:fld>
             <a:endParaRPr lang="ko-KR" altLang="en-US"/>
           </a:p>
@@ -2712,7 +2722,7 @@
           <a:p>
             <a:fld id="{3FC02451-0CA3-4790-96E5-5A27B1DD1171}" type="datetimeFigureOut">
               <a:rPr lang="ko-KR" altLang="en-US" smtClean="0"/>
-              <a:t>2020-12-02</a:t>
+              <a:t>2020-12-04</a:t>
             </a:fld>
             <a:endParaRPr lang="ko-KR" altLang="en-US"/>
           </a:p>
@@ -2925,7 +2935,7 @@
           <a:p>
             <a:fld id="{3FC02451-0CA3-4790-96E5-5A27B1DD1171}" type="datetimeFigureOut">
               <a:rPr lang="ko-KR" altLang="en-US" smtClean="0"/>
-              <a:t>2020-12-02</a:t>
+              <a:t>2020-12-04</a:t>
             </a:fld>
             <a:endParaRPr lang="ko-KR" altLang="en-US"/>
           </a:p>
@@ -3923,6 +3933,1631 @@
     <p:extLst>
       <p:ext uri="{BB962C8B-B14F-4D97-AF65-F5344CB8AC3E}">
         <p14:creationId xmlns:p14="http://schemas.microsoft.com/office/powerpoint/2010/main" val="1297271535"/>
+      </p:ext>
+    </p:extLst>
+  </p:cSld>
+  <p:clrMapOvr>
+    <a:masterClrMapping/>
+  </p:clrMapOvr>
+</p:sld>
+</file>
+
+<file path=ppt/slides/slide10.xml><?xml version="1.0" encoding="utf-8"?>
+<p:sld xmlns:a="http://schemas.openxmlformats.org/drawingml/2006/main" xmlns:r="http://schemas.openxmlformats.org/officeDocument/2006/relationships" xmlns:p="http://schemas.openxmlformats.org/presentationml/2006/main">
+  <p:cSld>
+    <p:bg>
+      <p:bgPr>
+        <a:solidFill>
+          <a:srgbClr val="404040"/>
+        </a:solidFill>
+        <a:effectLst/>
+      </p:bgPr>
+    </p:bg>
+    <p:spTree>
+      <p:nvGrpSpPr>
+        <p:cNvPr id="1" name=""/>
+        <p:cNvGrpSpPr/>
+        <p:nvPr/>
+      </p:nvGrpSpPr>
+      <p:grpSpPr>
+        <a:xfrm>
+          <a:off x="0" y="0"/>
+          <a:ext cx="0" cy="0"/>
+          <a:chOff x="0" y="0"/>
+          <a:chExt cx="0" cy="0"/>
+        </a:xfrm>
+      </p:grpSpPr>
+      <p:sp>
+        <p:nvSpPr>
+          <p:cNvPr id="2" name="제목 1"/>
+          <p:cNvSpPr>
+            <a:spLocks noGrp="1"/>
+          </p:cNvSpPr>
+          <p:nvPr>
+            <p:ph type="ctrTitle"/>
+          </p:nvPr>
+        </p:nvSpPr>
+        <p:spPr>
+          <a:xfrm>
+            <a:off x="172995" y="164756"/>
+            <a:ext cx="5222790" cy="1027712"/>
+          </a:xfrm>
+        </p:spPr>
+        <p:txBody>
+          <a:bodyPr>
+            <a:noAutofit/>
+          </a:bodyPr>
+          <a:lstStyle/>
+          <a:p>
+            <a:r>
+              <a:rPr lang="ko-KR" altLang="en-US" sz="3200" dirty="0" smtClean="0">
+                <a:solidFill>
+                  <a:schemeClr val="bg1"/>
+                </a:solidFill>
+                <a:latin typeface="Noto Sans CJK KR Black" panose="020B0A00000000000000" pitchFamily="34" charset="-127"/>
+                <a:ea typeface="Noto Sans CJK KR Black" panose="020B0A00000000000000" pitchFamily="34" charset="-127"/>
+              </a:rPr>
+              <a:t>고동욱  </a:t>
+            </a:r>
+            <a:r>
+              <a:rPr lang="en-US" altLang="ko-KR" sz="3200" dirty="0" smtClean="0">
+                <a:solidFill>
+                  <a:schemeClr val="bg1"/>
+                </a:solidFill>
+                <a:latin typeface="Noto Sans CJK KR Black" panose="020B0A00000000000000" pitchFamily="34" charset="-127"/>
+                <a:ea typeface="Noto Sans CJK KR Black" panose="020B0A00000000000000" pitchFamily="34" charset="-127"/>
+              </a:rPr>
+              <a:t>: </a:t>
+            </a:r>
+            <a:r>
+              <a:rPr lang="en-US" altLang="ko-KR" sz="2400" dirty="0" smtClean="0">
+                <a:solidFill>
+                  <a:schemeClr val="bg1">
+                    <a:lumMod val="75000"/>
+                  </a:schemeClr>
+                </a:solidFill>
+                <a:latin typeface="Noto Sans CJK KR Medium" panose="020B0600000000000000" pitchFamily="34" charset="-127"/>
+                <a:ea typeface="Noto Sans CJK KR Medium" panose="020B0600000000000000" pitchFamily="34" charset="-127"/>
+              </a:rPr>
+              <a:t>12-03 </a:t>
+            </a:r>
+            <a:r>
+              <a:rPr lang="ko-KR" altLang="en-US" sz="2400" dirty="0" smtClean="0">
+                <a:solidFill>
+                  <a:schemeClr val="bg1">
+                    <a:lumMod val="75000"/>
+                  </a:schemeClr>
+                </a:solidFill>
+                <a:latin typeface="Noto Sans CJK KR Medium" panose="020B0600000000000000" pitchFamily="34" charset="-127"/>
+                <a:ea typeface="Noto Sans CJK KR Medium" panose="020B0600000000000000" pitchFamily="34" charset="-127"/>
+              </a:rPr>
+              <a:t>업무내용 정리 </a:t>
+            </a:r>
+            <a:r>
+              <a:rPr lang="en-US" altLang="ko-KR" sz="2400" dirty="0" smtClean="0">
+                <a:solidFill>
+                  <a:schemeClr val="bg1">
+                    <a:lumMod val="75000"/>
+                  </a:schemeClr>
+                </a:solidFill>
+                <a:latin typeface="Noto Sans CJK KR Medium" panose="020B0600000000000000" pitchFamily="34" charset="-127"/>
+                <a:ea typeface="Noto Sans CJK KR Medium" panose="020B0600000000000000" pitchFamily="34" charset="-127"/>
+              </a:rPr>
+              <a:t>- </a:t>
+            </a:r>
+            <a:r>
+              <a:rPr lang="ko-KR" altLang="en-US" sz="2400" dirty="0" smtClean="0">
+                <a:solidFill>
+                  <a:schemeClr val="bg1">
+                    <a:lumMod val="75000"/>
+                  </a:schemeClr>
+                </a:solidFill>
+                <a:latin typeface="Noto Sans CJK KR Medium" panose="020B0600000000000000" pitchFamily="34" charset="-127"/>
+                <a:ea typeface="Noto Sans CJK KR Medium" panose="020B0600000000000000" pitchFamily="34" charset="-127"/>
+              </a:rPr>
+              <a:t>웅진</a:t>
+            </a:r>
+            <a:endParaRPr lang="ko-KR" altLang="en-US" sz="2400" dirty="0">
+              <a:solidFill>
+                <a:schemeClr val="bg1">
+                  <a:lumMod val="75000"/>
+                </a:schemeClr>
+              </a:solidFill>
+              <a:latin typeface="Noto Sans CJK KR Medium" panose="020B0600000000000000" pitchFamily="34" charset="-127"/>
+              <a:ea typeface="Noto Sans CJK KR Medium" panose="020B0600000000000000" pitchFamily="34" charset="-127"/>
+            </a:endParaRPr>
+          </a:p>
+        </p:txBody>
+      </p:sp>
+      <p:sp>
+        <p:nvSpPr>
+          <p:cNvPr id="4" name="제목 1"/>
+          <p:cNvSpPr txBox="1">
+            <a:spLocks/>
+          </p:cNvSpPr>
+          <p:nvPr/>
+        </p:nvSpPr>
+        <p:spPr>
+          <a:xfrm>
+            <a:off x="172995" y="2502284"/>
+            <a:ext cx="4349577" cy="4252743"/>
+          </a:xfrm>
+          <a:prstGeom prst="rect">
+            <a:avLst/>
+          </a:prstGeom>
+        </p:spPr>
+        <p:txBody>
+          <a:bodyPr vert="horz" lIns="91440" tIns="45720" rIns="91440" bIns="45720" rtlCol="0" anchor="b">
+            <a:noAutofit/>
+          </a:bodyPr>
+          <a:lstStyle>
+            <a:lvl1pPr algn="ctr" defTabSz="914400" rtl="0" eaLnBrk="1" latinLnBrk="1" hangingPunct="1">
+              <a:lnSpc>
+                <a:spcPct val="90000"/>
+              </a:lnSpc>
+              <a:spcBef>
+                <a:spcPct val="0"/>
+              </a:spcBef>
+              <a:buNone/>
+              <a:defRPr sz="6000" kern="1200">
+                <a:solidFill>
+                  <a:schemeClr val="tx1"/>
+                </a:solidFill>
+                <a:latin typeface="+mj-lt"/>
+                <a:ea typeface="+mj-ea"/>
+                <a:cs typeface="+mj-cs"/>
+              </a:defRPr>
+            </a:lvl1pPr>
+          </a:lstStyle>
+          <a:p>
+            <a:pPr algn="l"/>
+            <a:r>
+              <a:rPr lang="en-US" altLang="ko-KR" sz="2400" dirty="0" smtClean="0">
+                <a:solidFill>
+                  <a:schemeClr val="bg1"/>
+                </a:solidFill>
+                <a:latin typeface="Noto Sans CJK KR Black" panose="020B0A00000000000000" pitchFamily="34" charset="-127"/>
+                <a:ea typeface="Noto Sans CJK KR Black" panose="020B0A00000000000000" pitchFamily="34" charset="-127"/>
+              </a:rPr>
+              <a:t>1.</a:t>
+            </a:r>
+            <a:r>
+              <a:rPr lang="ko-KR" altLang="en-US" sz="2400" dirty="0" smtClean="0">
+                <a:solidFill>
+                  <a:schemeClr val="bg1"/>
+                </a:solidFill>
+                <a:latin typeface="Noto Sans CJK KR Black" panose="020B0A00000000000000" pitchFamily="34" charset="-127"/>
+                <a:ea typeface="Noto Sans CJK KR Black" panose="020B0A00000000000000" pitchFamily="34" charset="-127"/>
+              </a:rPr>
+              <a:t>전화 </a:t>
+            </a:r>
+            <a:r>
+              <a:rPr lang="ko-KR" altLang="en-US" sz="2400" dirty="0" err="1" smtClean="0">
+                <a:solidFill>
+                  <a:schemeClr val="bg1"/>
+                </a:solidFill>
+                <a:latin typeface="Noto Sans CJK KR Black" panose="020B0A00000000000000" pitchFamily="34" charset="-127"/>
+                <a:ea typeface="Noto Sans CJK KR Black" panose="020B0A00000000000000" pitchFamily="34" charset="-127"/>
+              </a:rPr>
+              <a:t>당겨받기</a:t>
+            </a:r>
+            <a:r>
+              <a:rPr lang="ko-KR" altLang="en-US" sz="2400" dirty="0" smtClean="0">
+                <a:solidFill>
+                  <a:schemeClr val="bg1"/>
+                </a:solidFill>
+                <a:latin typeface="Noto Sans CJK KR Black" panose="020B0A00000000000000" pitchFamily="34" charset="-127"/>
+                <a:ea typeface="Noto Sans CJK KR Black" panose="020B0A00000000000000" pitchFamily="34" charset="-127"/>
+              </a:rPr>
+              <a:t> </a:t>
+            </a:r>
+            <a:endParaRPr lang="en-US" altLang="ko-KR" sz="2400" dirty="0" smtClean="0">
+              <a:solidFill>
+                <a:schemeClr val="bg1"/>
+              </a:solidFill>
+              <a:latin typeface="Noto Sans CJK KR Black" panose="020B0A00000000000000" pitchFamily="34" charset="-127"/>
+              <a:ea typeface="Noto Sans CJK KR Black" panose="020B0A00000000000000" pitchFamily="34" charset="-127"/>
+            </a:endParaRPr>
+          </a:p>
+          <a:p>
+            <a:pPr algn="l"/>
+            <a:endParaRPr lang="en-US" altLang="ko-KR" sz="2400" dirty="0">
+              <a:solidFill>
+                <a:schemeClr val="bg1"/>
+              </a:solidFill>
+              <a:latin typeface="Noto Sans CJK KR Black" panose="020B0A00000000000000" pitchFamily="34" charset="-127"/>
+              <a:ea typeface="Noto Sans CJK KR Black" panose="020B0A00000000000000" pitchFamily="34" charset="-127"/>
+            </a:endParaRPr>
+          </a:p>
+          <a:p>
+            <a:pPr marL="457200" indent="-457200" algn="l">
+              <a:buAutoNum type="arabicPeriod"/>
+            </a:pPr>
+            <a:r>
+              <a:rPr lang="ko-KR" altLang="en-US" sz="1800" dirty="0" smtClean="0">
+                <a:solidFill>
+                  <a:schemeClr val="bg1">
+                    <a:lumMod val="75000"/>
+                  </a:schemeClr>
+                </a:solidFill>
+                <a:latin typeface="Noto Sans CJK KR Medium" panose="020B0600000000000000" pitchFamily="34" charset="-127"/>
+                <a:ea typeface="Noto Sans CJK KR Medium" panose="020B0600000000000000" pitchFamily="34" charset="-127"/>
+              </a:rPr>
+              <a:t>아무도 없는 자리에 벨이 </a:t>
+            </a:r>
+            <a:r>
+              <a:rPr lang="en-US" altLang="ko-KR" sz="1800" dirty="0" smtClean="0">
+                <a:solidFill>
+                  <a:schemeClr val="bg1">
+                    <a:lumMod val="75000"/>
+                  </a:schemeClr>
+                </a:solidFill>
+                <a:latin typeface="Noto Sans CJK KR Medium" panose="020B0600000000000000" pitchFamily="34" charset="-127"/>
+                <a:ea typeface="Noto Sans CJK KR Medium" panose="020B0600000000000000" pitchFamily="34" charset="-127"/>
+              </a:rPr>
+              <a:t>3</a:t>
+            </a:r>
+            <a:r>
+              <a:rPr lang="ko-KR" altLang="en-US" sz="1800" dirty="0" smtClean="0">
+                <a:solidFill>
+                  <a:schemeClr val="bg1">
+                    <a:lumMod val="75000"/>
+                  </a:schemeClr>
+                </a:solidFill>
+                <a:latin typeface="Noto Sans CJK KR Medium" panose="020B0600000000000000" pitchFamily="34" charset="-127"/>
+                <a:ea typeface="Noto Sans CJK KR Medium" panose="020B0600000000000000" pitchFamily="34" charset="-127"/>
+              </a:rPr>
+              <a:t>번 이상 울리면 전화 </a:t>
+            </a:r>
+            <a:r>
+              <a:rPr lang="ko-KR" altLang="en-US" sz="1800" dirty="0" err="1" smtClean="0">
+                <a:solidFill>
+                  <a:schemeClr val="bg1">
+                    <a:lumMod val="75000"/>
+                  </a:schemeClr>
+                </a:solidFill>
+                <a:latin typeface="Noto Sans CJK KR Medium" panose="020B0600000000000000" pitchFamily="34" charset="-127"/>
+                <a:ea typeface="Noto Sans CJK KR Medium" panose="020B0600000000000000" pitchFamily="34" charset="-127"/>
+              </a:rPr>
+              <a:t>당겨받기</a:t>
+            </a:r>
+            <a:r>
+              <a:rPr lang="ko-KR" altLang="en-US" sz="1800" dirty="0" smtClean="0">
+                <a:solidFill>
+                  <a:schemeClr val="bg1">
+                    <a:lumMod val="75000"/>
+                  </a:schemeClr>
+                </a:solidFill>
+                <a:latin typeface="Noto Sans CJK KR Medium" panose="020B0600000000000000" pitchFamily="34" charset="-127"/>
+                <a:ea typeface="Noto Sans CJK KR Medium" panose="020B0600000000000000" pitchFamily="34" charset="-127"/>
+              </a:rPr>
+              <a:t> 버튼을 누르고 전화를 당겨 받는다</a:t>
+            </a:r>
+            <a:r>
+              <a:rPr lang="en-US" altLang="ko-KR" sz="1800" dirty="0" smtClean="0">
+                <a:solidFill>
+                  <a:schemeClr val="bg1">
+                    <a:lumMod val="75000"/>
+                  </a:schemeClr>
+                </a:solidFill>
+                <a:latin typeface="Noto Sans CJK KR Medium" panose="020B0600000000000000" pitchFamily="34" charset="-127"/>
+                <a:ea typeface="Noto Sans CJK KR Medium" panose="020B0600000000000000" pitchFamily="34" charset="-127"/>
+              </a:rPr>
+              <a:t>. </a:t>
+            </a:r>
+          </a:p>
+          <a:p>
+            <a:pPr marL="457200" indent="-457200" algn="l">
+              <a:buAutoNum type="arabicPeriod"/>
+            </a:pPr>
+            <a:r>
+              <a:rPr lang="ko-KR" altLang="en-US" sz="1800" dirty="0" smtClean="0">
+                <a:solidFill>
+                  <a:schemeClr val="bg1">
+                    <a:lumMod val="75000"/>
+                  </a:schemeClr>
+                </a:solidFill>
+                <a:latin typeface="Noto Sans CJK KR Medium" panose="020B0600000000000000" pitchFamily="34" charset="-127"/>
+                <a:ea typeface="Noto Sans CJK KR Medium" panose="020B0600000000000000" pitchFamily="34" charset="-127"/>
+              </a:rPr>
+              <a:t>상황 설명을 드린 후</a:t>
+            </a:r>
+            <a:r>
+              <a:rPr lang="en-US" altLang="ko-KR" sz="1800" dirty="0" smtClean="0">
+                <a:solidFill>
+                  <a:schemeClr val="bg1">
+                    <a:lumMod val="75000"/>
+                  </a:schemeClr>
+                </a:solidFill>
+                <a:latin typeface="Noto Sans CJK KR Medium" panose="020B0600000000000000" pitchFamily="34" charset="-127"/>
+                <a:ea typeface="Noto Sans CJK KR Medium" panose="020B0600000000000000" pitchFamily="34" charset="-127"/>
+              </a:rPr>
+              <a:t>, Help Site</a:t>
+            </a:r>
+            <a:r>
+              <a:rPr lang="ko-KR" altLang="en-US" sz="1800" dirty="0" smtClean="0">
+                <a:solidFill>
+                  <a:schemeClr val="bg1">
+                    <a:lumMod val="75000"/>
+                  </a:schemeClr>
+                </a:solidFill>
+                <a:latin typeface="Noto Sans CJK KR Medium" panose="020B0600000000000000" pitchFamily="34" charset="-127"/>
+                <a:ea typeface="Noto Sans CJK KR Medium" panose="020B0600000000000000" pitchFamily="34" charset="-127"/>
+              </a:rPr>
+              <a:t>에 </a:t>
+            </a:r>
+            <a:r>
+              <a:rPr lang="en-US" altLang="ko-KR" sz="1800" dirty="0" smtClean="0">
+                <a:solidFill>
+                  <a:schemeClr val="bg1">
+                    <a:lumMod val="75000"/>
+                  </a:schemeClr>
+                </a:solidFill>
+                <a:latin typeface="Noto Sans CJK KR Medium" panose="020B0600000000000000" pitchFamily="34" charset="-127"/>
+                <a:ea typeface="Noto Sans CJK KR Medium" panose="020B0600000000000000" pitchFamily="34" charset="-127"/>
+              </a:rPr>
+              <a:t>(b1help.woongjin.com) issue</a:t>
+            </a:r>
+            <a:r>
+              <a:rPr lang="ko-KR" altLang="en-US" sz="1800" dirty="0" smtClean="0">
+                <a:solidFill>
+                  <a:schemeClr val="bg1">
+                    <a:lumMod val="75000"/>
+                  </a:schemeClr>
+                </a:solidFill>
+                <a:latin typeface="Noto Sans CJK KR Medium" panose="020B0600000000000000" pitchFamily="34" charset="-127"/>
+                <a:ea typeface="Noto Sans CJK KR Medium" panose="020B0600000000000000" pitchFamily="34" charset="-127"/>
+              </a:rPr>
+              <a:t>를 남겼는지 </a:t>
+            </a:r>
+            <a:r>
+              <a:rPr lang="ko-KR" altLang="en-US" sz="1800" dirty="0" err="1" smtClean="0">
+                <a:solidFill>
+                  <a:schemeClr val="bg1">
+                    <a:lumMod val="75000"/>
+                  </a:schemeClr>
+                </a:solidFill>
+                <a:latin typeface="Noto Sans CJK KR Medium" panose="020B0600000000000000" pitchFamily="34" charset="-127"/>
+                <a:ea typeface="Noto Sans CJK KR Medium" panose="020B0600000000000000" pitchFamily="34" charset="-127"/>
+              </a:rPr>
+              <a:t>질문드린다</a:t>
+            </a:r>
+            <a:r>
+              <a:rPr lang="en-US" altLang="ko-KR" sz="1800" dirty="0" smtClean="0">
+                <a:solidFill>
+                  <a:schemeClr val="bg1">
+                    <a:lumMod val="75000"/>
+                  </a:schemeClr>
+                </a:solidFill>
+                <a:latin typeface="Noto Sans CJK KR Medium" panose="020B0600000000000000" pitchFamily="34" charset="-127"/>
+                <a:ea typeface="Noto Sans CJK KR Medium" panose="020B0600000000000000" pitchFamily="34" charset="-127"/>
+              </a:rPr>
+              <a:t>. </a:t>
+            </a:r>
+          </a:p>
+          <a:p>
+            <a:pPr marL="457200" indent="-457200" algn="l">
+              <a:buAutoNum type="arabicPeriod"/>
+            </a:pPr>
+            <a:r>
+              <a:rPr lang="ko-KR" altLang="en-US" sz="1800" dirty="0" smtClean="0">
+                <a:solidFill>
+                  <a:schemeClr val="bg1">
+                    <a:lumMod val="75000"/>
+                  </a:schemeClr>
+                </a:solidFill>
+                <a:latin typeface="Noto Sans CJK KR Medium" panose="020B0600000000000000" pitchFamily="34" charset="-127"/>
+                <a:ea typeface="Noto Sans CJK KR Medium" panose="020B0600000000000000" pitchFamily="34" charset="-127"/>
+              </a:rPr>
+              <a:t>전화주신 고객의 성함과 번호를 </a:t>
+            </a:r>
+            <a:r>
+              <a:rPr lang="ko-KR" altLang="en-US" sz="1800" dirty="0" err="1" smtClean="0">
+                <a:solidFill>
+                  <a:schemeClr val="bg1">
+                    <a:lumMod val="75000"/>
+                  </a:schemeClr>
+                </a:solidFill>
+                <a:latin typeface="Noto Sans CJK KR Medium" panose="020B0600000000000000" pitchFamily="34" charset="-127"/>
+                <a:ea typeface="Noto Sans CJK KR Medium" panose="020B0600000000000000" pitchFamily="34" charset="-127"/>
+              </a:rPr>
+              <a:t>포스트잇이나</a:t>
+            </a:r>
+            <a:r>
+              <a:rPr lang="ko-KR" altLang="en-US" sz="1800" dirty="0" smtClean="0">
+                <a:solidFill>
+                  <a:schemeClr val="bg1">
+                    <a:lumMod val="75000"/>
+                  </a:schemeClr>
+                </a:solidFill>
+                <a:latin typeface="Noto Sans CJK KR Medium" panose="020B0600000000000000" pitchFamily="34" charset="-127"/>
+                <a:ea typeface="Noto Sans CJK KR Medium" panose="020B0600000000000000" pitchFamily="34" charset="-127"/>
+              </a:rPr>
+              <a:t> 메신저를 통해 실제 담당자에게 전달한다</a:t>
+            </a:r>
+            <a:r>
+              <a:rPr lang="en-US" altLang="ko-KR" sz="1800" dirty="0" smtClean="0">
+                <a:solidFill>
+                  <a:schemeClr val="bg1">
+                    <a:lumMod val="75000"/>
+                  </a:schemeClr>
+                </a:solidFill>
+                <a:latin typeface="Noto Sans CJK KR Medium" panose="020B0600000000000000" pitchFamily="34" charset="-127"/>
+                <a:ea typeface="Noto Sans CJK KR Medium" panose="020B0600000000000000" pitchFamily="34" charset="-127"/>
+              </a:rPr>
+              <a:t>.</a:t>
+            </a:r>
+          </a:p>
+          <a:p>
+            <a:pPr marL="457200" indent="-457200" algn="l">
+              <a:buAutoNum type="arabicPeriod"/>
+            </a:pPr>
+            <a:r>
+              <a:rPr lang="ko-KR" altLang="en-US" sz="1800" dirty="0" smtClean="0">
+                <a:solidFill>
+                  <a:schemeClr val="bg1">
+                    <a:lumMod val="75000"/>
+                  </a:schemeClr>
+                </a:solidFill>
+                <a:latin typeface="Noto Sans CJK KR Medium" panose="020B0600000000000000" pitchFamily="34" charset="-127"/>
+                <a:ea typeface="Noto Sans CJK KR Medium" panose="020B0600000000000000" pitchFamily="34" charset="-127"/>
+              </a:rPr>
+              <a:t>만약 아니라고 하실 경우 </a:t>
+            </a:r>
+            <a:r>
+              <a:rPr lang="en-US" altLang="ko-KR" sz="1800" dirty="0" smtClean="0">
+                <a:solidFill>
+                  <a:schemeClr val="bg1">
+                    <a:lumMod val="75000"/>
+                  </a:schemeClr>
+                </a:solidFill>
+                <a:latin typeface="Noto Sans CJK KR Medium" panose="020B0600000000000000" pitchFamily="34" charset="-127"/>
+                <a:ea typeface="Noto Sans CJK KR Medium" panose="020B0600000000000000" pitchFamily="34" charset="-127"/>
+              </a:rPr>
+              <a:t>: </a:t>
+            </a:r>
+            <a:r>
+              <a:rPr lang="ko-KR" altLang="en-US" sz="1800" dirty="0" smtClean="0">
+                <a:solidFill>
+                  <a:schemeClr val="bg1">
+                    <a:lumMod val="75000"/>
+                  </a:schemeClr>
+                </a:solidFill>
+                <a:latin typeface="Noto Sans CJK KR Medium" panose="020B0600000000000000" pitchFamily="34" charset="-127"/>
+                <a:ea typeface="Noto Sans CJK KR Medium" panose="020B0600000000000000" pitchFamily="34" charset="-127"/>
+              </a:rPr>
+              <a:t>실제 업무를 처리할 때 화면을 보고 처리하는 것이 업무 처리 속도가 더 빠르다는 것을 </a:t>
+            </a:r>
+            <a:r>
+              <a:rPr lang="ko-KR" altLang="en-US" sz="1800" dirty="0" err="1" smtClean="0">
+                <a:solidFill>
+                  <a:schemeClr val="bg1">
+                    <a:lumMod val="75000"/>
+                  </a:schemeClr>
+                </a:solidFill>
+                <a:latin typeface="Noto Sans CJK KR Medium" panose="020B0600000000000000" pitchFamily="34" charset="-127"/>
+                <a:ea typeface="Noto Sans CJK KR Medium" panose="020B0600000000000000" pitchFamily="34" charset="-127"/>
+              </a:rPr>
+              <a:t>설명드린다</a:t>
+            </a:r>
+            <a:r>
+              <a:rPr lang="en-US" altLang="ko-KR" sz="1800" dirty="0" smtClean="0">
+                <a:solidFill>
+                  <a:schemeClr val="bg1">
+                    <a:lumMod val="75000"/>
+                  </a:schemeClr>
+                </a:solidFill>
+                <a:latin typeface="Noto Sans CJK KR Medium" panose="020B0600000000000000" pitchFamily="34" charset="-127"/>
+                <a:ea typeface="Noto Sans CJK KR Medium" panose="020B0600000000000000" pitchFamily="34" charset="-127"/>
+              </a:rPr>
+              <a:t>.</a:t>
+            </a:r>
+          </a:p>
+          <a:p>
+            <a:pPr marL="457200" indent="-457200" algn="l">
+              <a:buAutoNum type="arabicPeriod"/>
+            </a:pPr>
+            <a:r>
+              <a:rPr lang="ko-KR" altLang="en-US" sz="1800" dirty="0" smtClean="0">
+                <a:solidFill>
+                  <a:schemeClr val="bg1">
+                    <a:lumMod val="75000"/>
+                  </a:schemeClr>
+                </a:solidFill>
+                <a:latin typeface="Noto Sans CJK KR Medium" panose="020B0600000000000000" pitchFamily="34" charset="-127"/>
+                <a:ea typeface="Noto Sans CJK KR Medium" panose="020B0600000000000000" pitchFamily="34" charset="-127"/>
+              </a:rPr>
+              <a:t>만약 이슈를 남기셨다고 하실 경우 </a:t>
+            </a:r>
+            <a:r>
+              <a:rPr lang="en-US" altLang="ko-KR" sz="1800" dirty="0" smtClean="0">
+                <a:solidFill>
+                  <a:schemeClr val="bg1">
+                    <a:lumMod val="75000"/>
+                  </a:schemeClr>
+                </a:solidFill>
+                <a:latin typeface="Noto Sans CJK KR Medium" panose="020B0600000000000000" pitchFamily="34" charset="-127"/>
+                <a:ea typeface="Noto Sans CJK KR Medium" panose="020B0600000000000000" pitchFamily="34" charset="-127"/>
+              </a:rPr>
+              <a:t>: </a:t>
+            </a:r>
+            <a:r>
+              <a:rPr lang="ko-KR" altLang="en-US" sz="1800" dirty="0" smtClean="0">
+                <a:solidFill>
+                  <a:schemeClr val="bg1">
+                    <a:lumMod val="75000"/>
+                  </a:schemeClr>
+                </a:solidFill>
+                <a:latin typeface="Noto Sans CJK KR Medium" panose="020B0600000000000000" pitchFamily="34" charset="-127"/>
+                <a:ea typeface="Noto Sans CJK KR Medium" panose="020B0600000000000000" pitchFamily="34" charset="-127"/>
+              </a:rPr>
+              <a:t>요청번호 혹은 제목을 </a:t>
+            </a:r>
+            <a:r>
+              <a:rPr lang="ko-KR" altLang="en-US" sz="1800" dirty="0" err="1" smtClean="0">
+                <a:solidFill>
+                  <a:schemeClr val="bg1">
+                    <a:lumMod val="75000"/>
+                  </a:schemeClr>
+                </a:solidFill>
+                <a:latin typeface="Noto Sans CJK KR Medium" panose="020B0600000000000000" pitchFamily="34" charset="-127"/>
+                <a:ea typeface="Noto Sans CJK KR Medium" panose="020B0600000000000000" pitchFamily="34" charset="-127"/>
+              </a:rPr>
+              <a:t>질문드린다</a:t>
+            </a:r>
+            <a:r>
+              <a:rPr lang="en-US" altLang="ko-KR" sz="1800" dirty="0" smtClean="0">
+                <a:solidFill>
+                  <a:schemeClr val="bg1">
+                    <a:lumMod val="75000"/>
+                  </a:schemeClr>
+                </a:solidFill>
+                <a:latin typeface="Noto Sans CJK KR Medium" panose="020B0600000000000000" pitchFamily="34" charset="-127"/>
+                <a:ea typeface="Noto Sans CJK KR Medium" panose="020B0600000000000000" pitchFamily="34" charset="-127"/>
+              </a:rPr>
+              <a:t>.</a:t>
+            </a:r>
+          </a:p>
+          <a:p>
+            <a:pPr marL="457200" indent="-457200" algn="l">
+              <a:buAutoNum type="arabicPeriod"/>
+            </a:pPr>
+            <a:r>
+              <a:rPr lang="ko-KR" altLang="en-US" sz="1800" dirty="0" smtClean="0">
+                <a:solidFill>
+                  <a:schemeClr val="bg1">
+                    <a:lumMod val="75000"/>
+                  </a:schemeClr>
+                </a:solidFill>
+                <a:latin typeface="Noto Sans CJK KR Medium" panose="020B0600000000000000" pitchFamily="34" charset="-127"/>
+                <a:ea typeface="Noto Sans CJK KR Medium" panose="020B0600000000000000" pitchFamily="34" charset="-127"/>
+              </a:rPr>
+              <a:t>만약 담당자가 자리에 돌아왔다면 전화를 다시 담당자에게 연결한다</a:t>
+            </a:r>
+            <a:r>
+              <a:rPr lang="en-US" altLang="ko-KR" sz="1800" dirty="0" smtClean="0">
+                <a:solidFill>
+                  <a:schemeClr val="bg1">
+                    <a:lumMod val="75000"/>
+                  </a:schemeClr>
+                </a:solidFill>
+                <a:latin typeface="Noto Sans CJK KR Medium" panose="020B0600000000000000" pitchFamily="34" charset="-127"/>
+                <a:ea typeface="Noto Sans CJK KR Medium" panose="020B0600000000000000" pitchFamily="34" charset="-127"/>
+              </a:rPr>
+              <a:t>.</a:t>
+            </a:r>
+          </a:p>
+          <a:p>
+            <a:pPr marL="457200" indent="-457200" algn="l">
+              <a:buAutoNum type="arabicPeriod"/>
+            </a:pPr>
+            <a:endParaRPr lang="ko-KR" altLang="en-US" sz="1800" dirty="0">
+              <a:solidFill>
+                <a:schemeClr val="bg1">
+                  <a:lumMod val="75000"/>
+                </a:schemeClr>
+              </a:solidFill>
+              <a:latin typeface="Noto Sans CJK KR Medium" panose="020B0600000000000000" pitchFamily="34" charset="-127"/>
+              <a:ea typeface="Noto Sans CJK KR Medium" panose="020B0600000000000000" pitchFamily="34" charset="-127"/>
+            </a:endParaRPr>
+          </a:p>
+        </p:txBody>
+      </p:sp>
+      <p:sp>
+        <p:nvSpPr>
+          <p:cNvPr id="5" name="제목 1"/>
+          <p:cNvSpPr txBox="1">
+            <a:spLocks/>
+          </p:cNvSpPr>
+          <p:nvPr/>
+        </p:nvSpPr>
+        <p:spPr>
+          <a:xfrm>
+            <a:off x="4743348" y="1260387"/>
+            <a:ext cx="7250944" cy="4490033"/>
+          </a:xfrm>
+          <a:prstGeom prst="rect">
+            <a:avLst/>
+          </a:prstGeom>
+        </p:spPr>
+        <p:txBody>
+          <a:bodyPr vert="horz" lIns="91440" tIns="45720" rIns="91440" bIns="45720" rtlCol="0" anchor="b">
+            <a:noAutofit/>
+          </a:bodyPr>
+          <a:lstStyle>
+            <a:lvl1pPr algn="ctr" defTabSz="914400" rtl="0" eaLnBrk="1" latinLnBrk="1" hangingPunct="1">
+              <a:lnSpc>
+                <a:spcPct val="90000"/>
+              </a:lnSpc>
+              <a:spcBef>
+                <a:spcPct val="0"/>
+              </a:spcBef>
+              <a:buNone/>
+              <a:defRPr sz="6000" kern="1200">
+                <a:solidFill>
+                  <a:schemeClr val="tx1"/>
+                </a:solidFill>
+                <a:latin typeface="+mj-lt"/>
+                <a:ea typeface="+mj-ea"/>
+                <a:cs typeface="+mj-cs"/>
+              </a:defRPr>
+            </a:lvl1pPr>
+          </a:lstStyle>
+          <a:p>
+            <a:pPr algn="l">
+              <a:lnSpc>
+                <a:spcPct val="150000"/>
+              </a:lnSpc>
+            </a:pPr>
+            <a:r>
+              <a:rPr lang="en-US" altLang="ko-KR" sz="2400" dirty="0" smtClean="0">
+                <a:solidFill>
+                  <a:schemeClr val="bg1"/>
+                </a:solidFill>
+                <a:latin typeface="Noto Sans CJK KR Black" panose="020B0A00000000000000" pitchFamily="34" charset="-127"/>
+                <a:ea typeface="Noto Sans CJK KR Black" panose="020B0A00000000000000" pitchFamily="34" charset="-127"/>
+              </a:rPr>
+              <a:t>2.</a:t>
+            </a:r>
+            <a:r>
+              <a:rPr lang="ko-KR" altLang="en-US" sz="2400" dirty="0" smtClean="0">
+                <a:solidFill>
+                  <a:schemeClr val="bg1"/>
+                </a:solidFill>
+                <a:latin typeface="Noto Sans CJK KR Black" panose="020B0A00000000000000" pitchFamily="34" charset="-127"/>
+                <a:ea typeface="Noto Sans CJK KR Black" panose="020B0A00000000000000" pitchFamily="34" charset="-127"/>
+              </a:rPr>
+              <a:t>전화상담 주의사항</a:t>
+            </a:r>
+            <a:r>
+              <a:rPr lang="en-US" altLang="ko-KR" sz="2400" dirty="0" smtClean="0">
+                <a:solidFill>
+                  <a:schemeClr val="bg1"/>
+                </a:solidFill>
+                <a:latin typeface="Noto Sans CJK KR Black" panose="020B0A00000000000000" pitchFamily="34" charset="-127"/>
+                <a:ea typeface="Noto Sans CJK KR Black" panose="020B0A00000000000000" pitchFamily="34" charset="-127"/>
+              </a:rPr>
+              <a:t> </a:t>
+            </a:r>
+          </a:p>
+          <a:p>
+            <a:pPr marL="457200" indent="-457200" algn="l">
+              <a:lnSpc>
+                <a:spcPct val="150000"/>
+              </a:lnSpc>
+              <a:buAutoNum type="arabicPeriod"/>
+            </a:pPr>
+            <a:endParaRPr lang="en-US" altLang="ko-KR" sz="1800" dirty="0" smtClean="0">
+              <a:solidFill>
+                <a:schemeClr val="bg1">
+                  <a:lumMod val="75000"/>
+                </a:schemeClr>
+              </a:solidFill>
+              <a:latin typeface="Noto Sans CJK KR Medium" panose="020B0600000000000000" pitchFamily="34" charset="-127"/>
+              <a:ea typeface="Noto Sans CJK KR Medium" panose="020B0600000000000000" pitchFamily="34" charset="-127"/>
+            </a:endParaRPr>
+          </a:p>
+          <a:p>
+            <a:pPr marL="457200" indent="-457200" algn="l">
+              <a:lnSpc>
+                <a:spcPct val="150000"/>
+              </a:lnSpc>
+              <a:buAutoNum type="arabicPeriod"/>
+            </a:pPr>
+            <a:r>
+              <a:rPr lang="ko-KR" altLang="en-US" sz="1800" dirty="0" smtClean="0">
+                <a:solidFill>
+                  <a:schemeClr val="bg1">
+                    <a:lumMod val="75000"/>
+                  </a:schemeClr>
+                </a:solidFill>
+                <a:latin typeface="Noto Sans CJK KR Medium" panose="020B0600000000000000" pitchFamily="34" charset="-127"/>
+                <a:ea typeface="Noto Sans CJK KR Medium" panose="020B0600000000000000" pitchFamily="34" charset="-127"/>
+              </a:rPr>
+              <a:t>전화 응답 시 </a:t>
+            </a:r>
+            <a:r>
+              <a:rPr lang="en-US" altLang="ko-KR" sz="1800" dirty="0" smtClean="0">
+                <a:solidFill>
+                  <a:schemeClr val="bg1">
+                    <a:lumMod val="75000"/>
+                  </a:schemeClr>
+                </a:solidFill>
+                <a:latin typeface="Noto Sans CJK KR Medium" panose="020B0600000000000000" pitchFamily="34" charset="-127"/>
+                <a:ea typeface="Noto Sans CJK KR Medium" panose="020B0600000000000000" pitchFamily="34" charset="-127"/>
+              </a:rPr>
+              <a:t>“</a:t>
+            </a:r>
+            <a:r>
+              <a:rPr lang="ko-KR" altLang="en-US" sz="1800" dirty="0" smtClean="0">
+                <a:solidFill>
+                  <a:schemeClr val="bg1">
+                    <a:lumMod val="75000"/>
+                  </a:schemeClr>
+                </a:solidFill>
+                <a:latin typeface="Noto Sans CJK KR Medium" panose="020B0600000000000000" pitchFamily="34" charset="-127"/>
+                <a:ea typeface="Noto Sans CJK KR Medium" panose="020B0600000000000000" pitchFamily="34" charset="-127"/>
+              </a:rPr>
+              <a:t>정성을 다하겠습니다</a:t>
+            </a:r>
+            <a:r>
+              <a:rPr lang="en-US" altLang="ko-KR" sz="1800" dirty="0" smtClean="0">
+                <a:solidFill>
+                  <a:schemeClr val="bg1">
+                    <a:lumMod val="75000"/>
+                  </a:schemeClr>
+                </a:solidFill>
+                <a:latin typeface="Noto Sans CJK KR Medium" panose="020B0600000000000000" pitchFamily="34" charset="-127"/>
+                <a:ea typeface="Noto Sans CJK KR Medium" panose="020B0600000000000000" pitchFamily="34" charset="-127"/>
+              </a:rPr>
+              <a:t>. </a:t>
+            </a:r>
+            <a:r>
+              <a:rPr lang="ko-KR" altLang="en-US" sz="1800" dirty="0" smtClean="0">
+                <a:solidFill>
+                  <a:schemeClr val="bg1">
+                    <a:lumMod val="75000"/>
+                  </a:schemeClr>
+                </a:solidFill>
+                <a:latin typeface="Noto Sans CJK KR Medium" panose="020B0600000000000000" pitchFamily="34" charset="-127"/>
+                <a:ea typeface="Noto Sans CJK KR Medium" panose="020B0600000000000000" pitchFamily="34" charset="-127"/>
+              </a:rPr>
+              <a:t>웅진 고동욱 매니저입니다</a:t>
+            </a:r>
+            <a:r>
+              <a:rPr lang="en-US" altLang="ko-KR" sz="1800" dirty="0" smtClean="0">
+                <a:solidFill>
+                  <a:schemeClr val="bg1">
+                    <a:lumMod val="75000"/>
+                  </a:schemeClr>
+                </a:solidFill>
+                <a:latin typeface="Noto Sans CJK KR Medium" panose="020B0600000000000000" pitchFamily="34" charset="-127"/>
+                <a:ea typeface="Noto Sans CJK KR Medium" panose="020B0600000000000000" pitchFamily="34" charset="-127"/>
+              </a:rPr>
+              <a:t>.”</a:t>
+            </a:r>
+          </a:p>
+          <a:p>
+            <a:pPr marL="457200" indent="-457200" algn="l">
+              <a:lnSpc>
+                <a:spcPct val="150000"/>
+              </a:lnSpc>
+              <a:buAutoNum type="arabicPeriod"/>
+            </a:pPr>
+            <a:r>
+              <a:rPr lang="ko-KR" altLang="en-US" sz="1800" dirty="0" smtClean="0">
+                <a:solidFill>
+                  <a:schemeClr val="bg1">
+                    <a:lumMod val="75000"/>
+                  </a:schemeClr>
+                </a:solidFill>
+                <a:latin typeface="Noto Sans CJK KR Medium" panose="020B0600000000000000" pitchFamily="34" charset="-127"/>
+                <a:ea typeface="Noto Sans CJK KR Medium" panose="020B0600000000000000" pitchFamily="34" charset="-127"/>
+              </a:rPr>
+              <a:t>부재중인 자리에 전화가 왔을 경우 </a:t>
+            </a:r>
+            <a:r>
+              <a:rPr lang="ko-KR" altLang="en-US" sz="1800" dirty="0" err="1" smtClean="0">
+                <a:solidFill>
+                  <a:schemeClr val="bg1">
+                    <a:lumMod val="75000"/>
+                  </a:schemeClr>
+                </a:solidFill>
+                <a:latin typeface="Noto Sans CJK KR Medium" panose="020B0600000000000000" pitchFamily="34" charset="-127"/>
+                <a:ea typeface="Noto Sans CJK KR Medium" panose="020B0600000000000000" pitchFamily="34" charset="-127"/>
+              </a:rPr>
+              <a:t>당겨받기</a:t>
+            </a:r>
+            <a:r>
+              <a:rPr lang="en-US" altLang="ko-KR" sz="1800" dirty="0" smtClean="0">
+                <a:solidFill>
+                  <a:schemeClr val="bg1">
+                    <a:lumMod val="75000"/>
+                  </a:schemeClr>
+                </a:solidFill>
+                <a:latin typeface="Noto Sans CJK KR Medium" panose="020B0600000000000000" pitchFamily="34" charset="-127"/>
+                <a:ea typeface="Noto Sans CJK KR Medium" panose="020B0600000000000000" pitchFamily="34" charset="-127"/>
+              </a:rPr>
+              <a:t> </a:t>
+            </a:r>
+            <a:r>
+              <a:rPr lang="ko-KR" altLang="en-US" sz="1800" dirty="0" smtClean="0">
+                <a:solidFill>
+                  <a:schemeClr val="bg1">
+                    <a:lumMod val="75000"/>
+                  </a:schemeClr>
+                </a:solidFill>
+                <a:latin typeface="Noto Sans CJK KR Medium" panose="020B0600000000000000" pitchFamily="34" charset="-127"/>
+                <a:ea typeface="Noto Sans CJK KR Medium" panose="020B0600000000000000" pitchFamily="34" charset="-127"/>
+              </a:rPr>
+              <a:t>기능을 사용해 대신 받기</a:t>
+            </a:r>
+            <a:endParaRPr lang="en-US" altLang="ko-KR" sz="1800" dirty="0" smtClean="0">
+              <a:solidFill>
+                <a:schemeClr val="bg1">
+                  <a:lumMod val="75000"/>
+                </a:schemeClr>
+              </a:solidFill>
+              <a:latin typeface="Noto Sans CJK KR Medium" panose="020B0600000000000000" pitchFamily="34" charset="-127"/>
+              <a:ea typeface="Noto Sans CJK KR Medium" panose="020B0600000000000000" pitchFamily="34" charset="-127"/>
+            </a:endParaRPr>
+          </a:p>
+          <a:p>
+            <a:pPr marL="457200" indent="-457200" algn="l">
+              <a:lnSpc>
+                <a:spcPct val="150000"/>
+              </a:lnSpc>
+              <a:buAutoNum type="arabicPeriod"/>
+            </a:pPr>
+            <a:r>
+              <a:rPr lang="en-US" altLang="ko-KR" sz="1800" dirty="0" smtClean="0">
+                <a:solidFill>
+                  <a:schemeClr val="bg1">
+                    <a:lumMod val="75000"/>
+                  </a:schemeClr>
+                </a:solidFill>
+                <a:latin typeface="Noto Sans CJK KR Medium" panose="020B0600000000000000" pitchFamily="34" charset="-127"/>
+                <a:ea typeface="Noto Sans CJK KR Medium" panose="020B0600000000000000" pitchFamily="34" charset="-127"/>
+              </a:rPr>
+              <a:t>b1help.woongjin.com (Help Site)</a:t>
+            </a:r>
+            <a:r>
+              <a:rPr lang="ko-KR" altLang="en-US" sz="1800" dirty="0" smtClean="0">
+                <a:solidFill>
+                  <a:schemeClr val="bg1">
+                    <a:lumMod val="75000"/>
+                  </a:schemeClr>
+                </a:solidFill>
+                <a:latin typeface="Noto Sans CJK KR Medium" panose="020B0600000000000000" pitchFamily="34" charset="-127"/>
+                <a:ea typeface="Noto Sans CJK KR Medium" panose="020B0600000000000000" pitchFamily="34" charset="-127"/>
+              </a:rPr>
+              <a:t>에 이슈를 남겨달라고 요청</a:t>
+            </a:r>
+            <a:r>
+              <a:rPr lang="en-US" altLang="ko-KR" sz="1800" dirty="0" smtClean="0">
+                <a:solidFill>
+                  <a:schemeClr val="bg1">
+                    <a:lumMod val="75000"/>
+                  </a:schemeClr>
+                </a:solidFill>
+                <a:latin typeface="Noto Sans CJK KR Medium" panose="020B0600000000000000" pitchFamily="34" charset="-127"/>
+                <a:ea typeface="Noto Sans CJK KR Medium" panose="020B0600000000000000" pitchFamily="34" charset="-127"/>
+              </a:rPr>
+              <a:t>, </a:t>
+            </a:r>
+            <a:r>
+              <a:rPr lang="ko-KR" altLang="en-US" sz="1800" dirty="0" smtClean="0">
+                <a:solidFill>
+                  <a:schemeClr val="bg1">
+                    <a:lumMod val="75000"/>
+                  </a:schemeClr>
+                </a:solidFill>
+                <a:latin typeface="Noto Sans CJK KR Medium" panose="020B0600000000000000" pitchFamily="34" charset="-127"/>
+                <a:ea typeface="Noto Sans CJK KR Medium" panose="020B0600000000000000" pitchFamily="34" charset="-127"/>
+              </a:rPr>
+              <a:t>혹은 관련 내용을 메모해두었다가 컨설턴트에게 전달</a:t>
+            </a:r>
+            <a:endParaRPr lang="en-US" altLang="ko-KR" sz="1800" dirty="0" smtClean="0">
+              <a:solidFill>
+                <a:schemeClr val="bg1">
+                  <a:lumMod val="75000"/>
+                </a:schemeClr>
+              </a:solidFill>
+              <a:latin typeface="Noto Sans CJK KR Medium" panose="020B0600000000000000" pitchFamily="34" charset="-127"/>
+              <a:ea typeface="Noto Sans CJK KR Medium" panose="020B0600000000000000" pitchFamily="34" charset="-127"/>
+            </a:endParaRPr>
+          </a:p>
+          <a:p>
+            <a:pPr marL="457200" indent="-457200" algn="l">
+              <a:lnSpc>
+                <a:spcPct val="150000"/>
+              </a:lnSpc>
+              <a:buAutoNum type="arabicPeriod"/>
+            </a:pPr>
+            <a:r>
+              <a:rPr lang="ko-KR" altLang="en-US" sz="1800" dirty="0" smtClean="0">
+                <a:solidFill>
+                  <a:schemeClr val="bg1">
+                    <a:lumMod val="75000"/>
+                  </a:schemeClr>
+                </a:solidFill>
+                <a:latin typeface="Noto Sans CJK KR Medium" panose="020B0600000000000000" pitchFamily="34" charset="-127"/>
+                <a:ea typeface="Noto Sans CJK KR Medium" panose="020B0600000000000000" pitchFamily="34" charset="-127"/>
+              </a:rPr>
+              <a:t>연차 사용중인 직원의 전화를 대신 받은 경우</a:t>
+            </a:r>
+            <a:r>
+              <a:rPr lang="en-US" altLang="ko-KR" sz="1800" dirty="0" smtClean="0">
+                <a:solidFill>
+                  <a:schemeClr val="bg1">
+                    <a:lumMod val="75000"/>
+                  </a:schemeClr>
+                </a:solidFill>
+                <a:latin typeface="Noto Sans CJK KR Medium" panose="020B0600000000000000" pitchFamily="34" charset="-127"/>
+                <a:ea typeface="Noto Sans CJK KR Medium" panose="020B0600000000000000" pitchFamily="34" charset="-127"/>
+              </a:rPr>
+              <a:t>, </a:t>
+            </a:r>
+            <a:r>
+              <a:rPr lang="ko-KR" altLang="en-US" sz="1800" dirty="0" smtClean="0">
+                <a:solidFill>
+                  <a:schemeClr val="bg1">
+                    <a:lumMod val="75000"/>
+                  </a:schemeClr>
+                </a:solidFill>
+                <a:latin typeface="Noto Sans CJK KR Medium" panose="020B0600000000000000" pitchFamily="34" charset="-127"/>
+                <a:ea typeface="Noto Sans CJK KR Medium" panose="020B0600000000000000" pitchFamily="34" charset="-127"/>
+              </a:rPr>
+              <a:t>번호를 직접 알려주기보다는 연락을 드린다고 말하고 대신 전달하기</a:t>
+            </a:r>
+            <a:endParaRPr lang="en-US" altLang="ko-KR" sz="1800" dirty="0" smtClean="0">
+              <a:solidFill>
+                <a:schemeClr val="bg1">
+                  <a:lumMod val="75000"/>
+                </a:schemeClr>
+              </a:solidFill>
+              <a:latin typeface="Noto Sans CJK KR Medium" panose="020B0600000000000000" pitchFamily="34" charset="-127"/>
+              <a:ea typeface="Noto Sans CJK KR Medium" panose="020B0600000000000000" pitchFamily="34" charset="-127"/>
+            </a:endParaRPr>
+          </a:p>
+          <a:p>
+            <a:pPr marL="457200" indent="-457200" algn="l">
+              <a:lnSpc>
+                <a:spcPct val="150000"/>
+              </a:lnSpc>
+              <a:buAutoNum type="arabicPeriod"/>
+            </a:pPr>
+            <a:r>
+              <a:rPr lang="ko-KR" altLang="en-US" sz="1800" dirty="0" smtClean="0">
+                <a:solidFill>
+                  <a:schemeClr val="bg1">
+                    <a:lumMod val="75000"/>
+                  </a:schemeClr>
+                </a:solidFill>
+                <a:latin typeface="Noto Sans CJK KR Medium" panose="020B0600000000000000" pitchFamily="34" charset="-127"/>
+                <a:ea typeface="Noto Sans CJK KR Medium" panose="020B0600000000000000" pitchFamily="34" charset="-127"/>
+              </a:rPr>
+              <a:t>고객과의 전화 </a:t>
+            </a:r>
+            <a:r>
+              <a:rPr lang="ko-KR" altLang="en-US" sz="1800" dirty="0" err="1" smtClean="0">
+                <a:solidFill>
+                  <a:schemeClr val="bg1">
+                    <a:lumMod val="75000"/>
+                  </a:schemeClr>
+                </a:solidFill>
+                <a:latin typeface="Noto Sans CJK KR Medium" panose="020B0600000000000000" pitchFamily="34" charset="-127"/>
+                <a:ea typeface="Noto Sans CJK KR Medium" panose="020B0600000000000000" pitchFamily="34" charset="-127"/>
+              </a:rPr>
+              <a:t>통화시에는</a:t>
+            </a:r>
+            <a:r>
+              <a:rPr lang="ko-KR" altLang="en-US" sz="1800" dirty="0" smtClean="0">
+                <a:solidFill>
+                  <a:schemeClr val="bg1">
+                    <a:lumMod val="75000"/>
+                  </a:schemeClr>
+                </a:solidFill>
+                <a:latin typeface="Noto Sans CJK KR Medium" panose="020B0600000000000000" pitchFamily="34" charset="-127"/>
+                <a:ea typeface="Noto Sans CJK KR Medium" panose="020B0600000000000000" pitchFamily="34" charset="-127"/>
+              </a:rPr>
+              <a:t> 고객의 감정이 상하지 않게 배려해서 말하며</a:t>
+            </a:r>
+            <a:r>
+              <a:rPr lang="en-US" altLang="ko-KR" sz="1800" dirty="0" smtClean="0">
+                <a:solidFill>
+                  <a:schemeClr val="bg1">
+                    <a:lumMod val="75000"/>
+                  </a:schemeClr>
+                </a:solidFill>
+                <a:latin typeface="Noto Sans CJK KR Medium" panose="020B0600000000000000" pitchFamily="34" charset="-127"/>
+                <a:ea typeface="Noto Sans CJK KR Medium" panose="020B0600000000000000" pitchFamily="34" charset="-127"/>
+              </a:rPr>
+              <a:t>, </a:t>
+            </a:r>
+            <a:r>
+              <a:rPr lang="ko-KR" altLang="en-US" sz="1800" dirty="0" smtClean="0">
+                <a:solidFill>
+                  <a:schemeClr val="bg1">
+                    <a:lumMod val="75000"/>
+                  </a:schemeClr>
+                </a:solidFill>
+                <a:latin typeface="Noto Sans CJK KR Medium" panose="020B0600000000000000" pitchFamily="34" charset="-127"/>
+                <a:ea typeface="Noto Sans CJK KR Medium" panose="020B0600000000000000" pitchFamily="34" charset="-127"/>
+              </a:rPr>
+              <a:t>회사 대 회사의 비즈니스 전화임을 염두에 두고 통화하기</a:t>
+            </a:r>
+            <a:r>
+              <a:rPr lang="en-US" altLang="ko-KR" sz="1800" dirty="0" smtClean="0">
+                <a:solidFill>
+                  <a:schemeClr val="bg1">
+                    <a:lumMod val="75000"/>
+                  </a:schemeClr>
+                </a:solidFill>
+                <a:latin typeface="Noto Sans CJK KR Medium" panose="020B0600000000000000" pitchFamily="34" charset="-127"/>
+                <a:ea typeface="Noto Sans CJK KR Medium" panose="020B0600000000000000" pitchFamily="34" charset="-127"/>
+              </a:rPr>
+              <a:t>.</a:t>
+            </a:r>
+          </a:p>
+        </p:txBody>
+      </p:sp>
+    </p:spTree>
+    <p:extLst>
+      <p:ext uri="{BB962C8B-B14F-4D97-AF65-F5344CB8AC3E}">
+        <p14:creationId xmlns:p14="http://schemas.microsoft.com/office/powerpoint/2010/main" val="3279261005"/>
+      </p:ext>
+    </p:extLst>
+  </p:cSld>
+  <p:clrMapOvr>
+    <a:masterClrMapping/>
+  </p:clrMapOvr>
+</p:sld>
+</file>
+
+<file path=ppt/slides/slide11.xml><?xml version="1.0" encoding="utf-8"?>
+<p:sld xmlns:a="http://schemas.openxmlformats.org/drawingml/2006/main" xmlns:r="http://schemas.openxmlformats.org/officeDocument/2006/relationships" xmlns:p="http://schemas.openxmlformats.org/presentationml/2006/main">
+  <p:cSld>
+    <p:bg>
+      <p:bgPr>
+        <a:solidFill>
+          <a:srgbClr val="404040"/>
+        </a:solidFill>
+        <a:effectLst/>
+      </p:bgPr>
+    </p:bg>
+    <p:spTree>
+      <p:nvGrpSpPr>
+        <p:cNvPr id="1" name=""/>
+        <p:cNvGrpSpPr/>
+        <p:nvPr/>
+      </p:nvGrpSpPr>
+      <p:grpSpPr>
+        <a:xfrm>
+          <a:off x="0" y="0"/>
+          <a:ext cx="0" cy="0"/>
+          <a:chOff x="0" y="0"/>
+          <a:chExt cx="0" cy="0"/>
+        </a:xfrm>
+      </p:grpSpPr>
+      <p:sp>
+        <p:nvSpPr>
+          <p:cNvPr id="2" name="제목 1"/>
+          <p:cNvSpPr>
+            <a:spLocks noGrp="1"/>
+          </p:cNvSpPr>
+          <p:nvPr>
+            <p:ph type="ctrTitle"/>
+          </p:nvPr>
+        </p:nvSpPr>
+        <p:spPr>
+          <a:xfrm>
+            <a:off x="172995" y="164756"/>
+            <a:ext cx="5222790" cy="1027712"/>
+          </a:xfrm>
+        </p:spPr>
+        <p:txBody>
+          <a:bodyPr>
+            <a:noAutofit/>
+          </a:bodyPr>
+          <a:lstStyle/>
+          <a:p>
+            <a:r>
+              <a:rPr lang="ko-KR" altLang="en-US" sz="3200" dirty="0" smtClean="0">
+                <a:solidFill>
+                  <a:schemeClr val="bg1"/>
+                </a:solidFill>
+                <a:latin typeface="Noto Sans CJK KR Black" panose="020B0A00000000000000" pitchFamily="34" charset="-127"/>
+                <a:ea typeface="Noto Sans CJK KR Black" panose="020B0A00000000000000" pitchFamily="34" charset="-127"/>
+              </a:rPr>
+              <a:t>고동욱  </a:t>
+            </a:r>
+            <a:r>
+              <a:rPr lang="en-US" altLang="ko-KR" sz="3200" dirty="0" smtClean="0">
+                <a:solidFill>
+                  <a:schemeClr val="bg1"/>
+                </a:solidFill>
+                <a:latin typeface="Noto Sans CJK KR Black" panose="020B0A00000000000000" pitchFamily="34" charset="-127"/>
+                <a:ea typeface="Noto Sans CJK KR Black" panose="020B0A00000000000000" pitchFamily="34" charset="-127"/>
+              </a:rPr>
+              <a:t>: </a:t>
+            </a:r>
+            <a:r>
+              <a:rPr lang="en-US" altLang="ko-KR" sz="2400" dirty="0" smtClean="0">
+                <a:solidFill>
+                  <a:schemeClr val="bg1">
+                    <a:lumMod val="75000"/>
+                  </a:schemeClr>
+                </a:solidFill>
+                <a:latin typeface="Noto Sans CJK KR Medium" panose="020B0600000000000000" pitchFamily="34" charset="-127"/>
+                <a:ea typeface="Noto Sans CJK KR Medium" panose="020B0600000000000000" pitchFamily="34" charset="-127"/>
+              </a:rPr>
+              <a:t>12-04 </a:t>
+            </a:r>
+            <a:r>
+              <a:rPr lang="ko-KR" altLang="en-US" sz="2400" dirty="0" smtClean="0">
+                <a:solidFill>
+                  <a:schemeClr val="bg1">
+                    <a:lumMod val="75000"/>
+                  </a:schemeClr>
+                </a:solidFill>
+                <a:latin typeface="Noto Sans CJK KR Medium" panose="020B0600000000000000" pitchFamily="34" charset="-127"/>
+                <a:ea typeface="Noto Sans CJK KR Medium" panose="020B0600000000000000" pitchFamily="34" charset="-127"/>
+              </a:rPr>
+              <a:t>업무내용 정리 </a:t>
+            </a:r>
+            <a:r>
+              <a:rPr lang="en-US" altLang="ko-KR" sz="2400" dirty="0" smtClean="0">
+                <a:solidFill>
+                  <a:schemeClr val="bg1">
+                    <a:lumMod val="75000"/>
+                  </a:schemeClr>
+                </a:solidFill>
+                <a:latin typeface="Noto Sans CJK KR Medium" panose="020B0600000000000000" pitchFamily="34" charset="-127"/>
+                <a:ea typeface="Noto Sans CJK KR Medium" panose="020B0600000000000000" pitchFamily="34" charset="-127"/>
+              </a:rPr>
+              <a:t>- </a:t>
+            </a:r>
+            <a:r>
+              <a:rPr lang="ko-KR" altLang="en-US" sz="2400" dirty="0" smtClean="0">
+                <a:solidFill>
+                  <a:schemeClr val="bg1">
+                    <a:lumMod val="75000"/>
+                  </a:schemeClr>
+                </a:solidFill>
+                <a:latin typeface="Noto Sans CJK KR Medium" panose="020B0600000000000000" pitchFamily="34" charset="-127"/>
+                <a:ea typeface="Noto Sans CJK KR Medium" panose="020B0600000000000000" pitchFamily="34" charset="-127"/>
+              </a:rPr>
+              <a:t>웅진</a:t>
+            </a:r>
+            <a:endParaRPr lang="ko-KR" altLang="en-US" sz="2400" dirty="0">
+              <a:solidFill>
+                <a:schemeClr val="bg1">
+                  <a:lumMod val="75000"/>
+                </a:schemeClr>
+              </a:solidFill>
+              <a:latin typeface="Noto Sans CJK KR Medium" panose="020B0600000000000000" pitchFamily="34" charset="-127"/>
+              <a:ea typeface="Noto Sans CJK KR Medium" panose="020B0600000000000000" pitchFamily="34" charset="-127"/>
+            </a:endParaRPr>
+          </a:p>
+        </p:txBody>
+      </p:sp>
+      <p:sp>
+        <p:nvSpPr>
+          <p:cNvPr id="4" name="제목 1"/>
+          <p:cNvSpPr txBox="1">
+            <a:spLocks/>
+          </p:cNvSpPr>
+          <p:nvPr/>
+        </p:nvSpPr>
+        <p:spPr>
+          <a:xfrm>
+            <a:off x="393771" y="2347784"/>
+            <a:ext cx="4349577" cy="1968843"/>
+          </a:xfrm>
+          <a:prstGeom prst="rect">
+            <a:avLst/>
+          </a:prstGeom>
+        </p:spPr>
+        <p:txBody>
+          <a:bodyPr vert="horz" lIns="91440" tIns="45720" rIns="91440" bIns="45720" rtlCol="0" anchor="b">
+            <a:noAutofit/>
+          </a:bodyPr>
+          <a:lstStyle>
+            <a:lvl1pPr algn="ctr" defTabSz="914400" rtl="0" eaLnBrk="1" latinLnBrk="1" hangingPunct="1">
+              <a:lnSpc>
+                <a:spcPct val="90000"/>
+              </a:lnSpc>
+              <a:spcBef>
+                <a:spcPct val="0"/>
+              </a:spcBef>
+              <a:buNone/>
+              <a:defRPr sz="6000" kern="1200">
+                <a:solidFill>
+                  <a:schemeClr val="tx1"/>
+                </a:solidFill>
+                <a:latin typeface="+mj-lt"/>
+                <a:ea typeface="+mj-ea"/>
+                <a:cs typeface="+mj-cs"/>
+              </a:defRPr>
+            </a:lvl1pPr>
+          </a:lstStyle>
+          <a:p>
+            <a:pPr algn="l"/>
+            <a:r>
+              <a:rPr lang="en-US" altLang="ko-KR" sz="2400" dirty="0" smtClean="0">
+                <a:solidFill>
+                  <a:schemeClr val="bg1"/>
+                </a:solidFill>
+                <a:latin typeface="Noto Sans CJK KR Black" panose="020B0A00000000000000" pitchFamily="34" charset="-127"/>
+                <a:ea typeface="Noto Sans CJK KR Black" panose="020B0A00000000000000" pitchFamily="34" charset="-127"/>
+              </a:rPr>
+              <a:t>1.SAP </a:t>
+            </a:r>
+            <a:r>
+              <a:rPr lang="ko-KR" altLang="en-US" sz="2400" dirty="0" smtClean="0">
+                <a:solidFill>
+                  <a:schemeClr val="bg1"/>
+                </a:solidFill>
+                <a:latin typeface="Noto Sans CJK KR Black" panose="020B0A00000000000000" pitchFamily="34" charset="-127"/>
+                <a:ea typeface="Noto Sans CJK KR Black" panose="020B0A00000000000000" pitchFamily="34" charset="-127"/>
+              </a:rPr>
+              <a:t>설치순서</a:t>
+            </a:r>
+            <a:endParaRPr lang="en-US" altLang="ko-KR" sz="2400" dirty="0" smtClean="0">
+              <a:solidFill>
+                <a:schemeClr val="bg1"/>
+              </a:solidFill>
+              <a:latin typeface="Noto Sans CJK KR Black" panose="020B0A00000000000000" pitchFamily="34" charset="-127"/>
+              <a:ea typeface="Noto Sans CJK KR Black" panose="020B0A00000000000000" pitchFamily="34" charset="-127"/>
+            </a:endParaRPr>
+          </a:p>
+          <a:p>
+            <a:pPr algn="l"/>
+            <a:endParaRPr lang="en-US" altLang="ko-KR" sz="2400" dirty="0">
+              <a:solidFill>
+                <a:schemeClr val="bg1"/>
+              </a:solidFill>
+              <a:latin typeface="Noto Sans CJK KR Black" panose="020B0A00000000000000" pitchFamily="34" charset="-127"/>
+              <a:ea typeface="Noto Sans CJK KR Black" panose="020B0A00000000000000" pitchFamily="34" charset="-127"/>
+            </a:endParaRPr>
+          </a:p>
+          <a:p>
+            <a:pPr marL="342900" indent="-342900" algn="l">
+              <a:buAutoNum type="arabicPeriod"/>
+            </a:pPr>
+            <a:r>
+              <a:rPr lang="en-US" altLang="ko-KR" sz="1800" dirty="0" smtClean="0">
+                <a:solidFill>
+                  <a:schemeClr val="bg1">
+                    <a:lumMod val="75000"/>
+                  </a:schemeClr>
+                </a:solidFill>
+                <a:latin typeface="Noto Sans CJK KR Medium" panose="020B0600000000000000" pitchFamily="34" charset="-127"/>
+                <a:ea typeface="Noto Sans CJK KR Medium" panose="020B0600000000000000" pitchFamily="34" charset="-127"/>
+              </a:rPr>
+              <a:t>Packages - Server tools – setup </a:t>
+            </a:r>
+            <a:r>
+              <a:rPr lang="ko-KR" altLang="en-US" sz="1800" dirty="0" smtClean="0">
+                <a:solidFill>
+                  <a:schemeClr val="bg1">
+                    <a:lumMod val="75000"/>
+                  </a:schemeClr>
+                </a:solidFill>
+                <a:latin typeface="Noto Sans CJK KR Medium" panose="020B0600000000000000" pitchFamily="34" charset="-127"/>
+                <a:ea typeface="Noto Sans CJK KR Medium" panose="020B0600000000000000" pitchFamily="34" charset="-127"/>
+              </a:rPr>
+              <a:t>파일 실행을 통해 </a:t>
+            </a:r>
+            <a:r>
+              <a:rPr lang="en-US" altLang="ko-KR" sz="1800" dirty="0" smtClean="0">
+                <a:solidFill>
+                  <a:schemeClr val="bg1">
+                    <a:lumMod val="75000"/>
+                  </a:schemeClr>
+                </a:solidFill>
+                <a:latin typeface="Noto Sans CJK KR Medium" panose="020B0600000000000000" pitchFamily="34" charset="-127"/>
+                <a:ea typeface="Noto Sans CJK KR Medium" panose="020B0600000000000000" pitchFamily="34" charset="-127"/>
+              </a:rPr>
+              <a:t>SAP Server Service tool </a:t>
+            </a:r>
+            <a:r>
+              <a:rPr lang="ko-KR" altLang="en-US" sz="1800" dirty="0" smtClean="0">
+                <a:solidFill>
+                  <a:schemeClr val="bg1">
+                    <a:lumMod val="75000"/>
+                  </a:schemeClr>
+                </a:solidFill>
+                <a:latin typeface="Noto Sans CJK KR Medium" panose="020B0600000000000000" pitchFamily="34" charset="-127"/>
+                <a:ea typeface="Noto Sans CJK KR Medium" panose="020B0600000000000000" pitchFamily="34" charset="-127"/>
+              </a:rPr>
+              <a:t>먼저 설치하고</a:t>
+            </a:r>
+            <a:r>
+              <a:rPr lang="en-US" altLang="ko-KR" sz="1800" dirty="0" smtClean="0">
+                <a:solidFill>
+                  <a:schemeClr val="bg1">
+                    <a:lumMod val="75000"/>
+                  </a:schemeClr>
+                </a:solidFill>
+                <a:latin typeface="Noto Sans CJK KR Medium" panose="020B0600000000000000" pitchFamily="34" charset="-127"/>
+                <a:ea typeface="Noto Sans CJK KR Medium" panose="020B0600000000000000" pitchFamily="34" charset="-127"/>
+              </a:rPr>
+              <a:t>,</a:t>
+            </a:r>
+          </a:p>
+          <a:p>
+            <a:pPr marL="342900" indent="-342900" algn="l">
+              <a:buAutoNum type="arabicPeriod"/>
+            </a:pPr>
+            <a:endParaRPr lang="en-US" altLang="ko-KR" sz="1800" dirty="0" smtClean="0">
+              <a:solidFill>
+                <a:schemeClr val="bg1">
+                  <a:lumMod val="75000"/>
+                </a:schemeClr>
+              </a:solidFill>
+              <a:latin typeface="Noto Sans CJK KR Medium" panose="020B0600000000000000" pitchFamily="34" charset="-127"/>
+              <a:ea typeface="Noto Sans CJK KR Medium" panose="020B0600000000000000" pitchFamily="34" charset="-127"/>
+            </a:endParaRPr>
+          </a:p>
+          <a:p>
+            <a:pPr marL="342900" indent="-342900" algn="l">
+              <a:buAutoNum type="arabicPeriod"/>
+            </a:pPr>
+            <a:r>
+              <a:rPr lang="ko-KR" altLang="en-US" sz="1800" dirty="0" smtClean="0">
+                <a:solidFill>
+                  <a:schemeClr val="bg1">
+                    <a:lumMod val="75000"/>
+                  </a:schemeClr>
+                </a:solidFill>
+                <a:latin typeface="Noto Sans CJK KR Medium" panose="020B0600000000000000" pitchFamily="34" charset="-127"/>
+                <a:ea typeface="Noto Sans CJK KR Medium" panose="020B0600000000000000" pitchFamily="34" charset="-127"/>
+              </a:rPr>
+              <a:t>상위 폴더로 돌아온 후에 </a:t>
+            </a:r>
+            <a:r>
+              <a:rPr lang="en-US" altLang="ko-KR" sz="1800" dirty="0" smtClean="0">
+                <a:solidFill>
+                  <a:schemeClr val="bg1">
+                    <a:lumMod val="75000"/>
+                  </a:schemeClr>
+                </a:solidFill>
+                <a:latin typeface="Noto Sans CJK KR Medium" panose="020B0600000000000000" pitchFamily="34" charset="-127"/>
+                <a:ea typeface="Noto Sans CJK KR Medium" panose="020B0600000000000000" pitchFamily="34" charset="-127"/>
+              </a:rPr>
+              <a:t>Setup</a:t>
+            </a:r>
+            <a:r>
+              <a:rPr lang="ko-KR" altLang="en-US" sz="1800" dirty="0" smtClean="0">
+                <a:solidFill>
+                  <a:schemeClr val="bg1">
+                    <a:lumMod val="75000"/>
+                  </a:schemeClr>
+                </a:solidFill>
+                <a:latin typeface="Noto Sans CJK KR Medium" panose="020B0600000000000000" pitchFamily="34" charset="-127"/>
+                <a:ea typeface="Noto Sans CJK KR Medium" panose="020B0600000000000000" pitchFamily="34" charset="-127"/>
+              </a:rPr>
+              <a:t>을 눌러서 설치를 진행</a:t>
+            </a:r>
+            <a:endParaRPr lang="en-US" altLang="ko-KR" sz="1800" dirty="0" smtClean="0">
+              <a:solidFill>
+                <a:schemeClr val="bg1">
+                  <a:lumMod val="75000"/>
+                </a:schemeClr>
+              </a:solidFill>
+              <a:latin typeface="Noto Sans CJK KR Medium" panose="020B0600000000000000" pitchFamily="34" charset="-127"/>
+              <a:ea typeface="Noto Sans CJK KR Medium" panose="020B0600000000000000" pitchFamily="34" charset="-127"/>
+            </a:endParaRPr>
+          </a:p>
+          <a:p>
+            <a:pPr marL="457200" indent="-457200" algn="l">
+              <a:buAutoNum type="arabicPeriod"/>
+            </a:pPr>
+            <a:endParaRPr lang="ko-KR" altLang="en-US" sz="1800" dirty="0">
+              <a:solidFill>
+                <a:schemeClr val="bg1">
+                  <a:lumMod val="75000"/>
+                </a:schemeClr>
+              </a:solidFill>
+              <a:latin typeface="Noto Sans CJK KR Medium" panose="020B0600000000000000" pitchFamily="34" charset="-127"/>
+              <a:ea typeface="Noto Sans CJK KR Medium" panose="020B0600000000000000" pitchFamily="34" charset="-127"/>
+            </a:endParaRPr>
+          </a:p>
+        </p:txBody>
+      </p:sp>
+      <p:sp>
+        <p:nvSpPr>
+          <p:cNvPr id="5" name="제목 1"/>
+          <p:cNvSpPr txBox="1">
+            <a:spLocks/>
+          </p:cNvSpPr>
+          <p:nvPr/>
+        </p:nvSpPr>
+        <p:spPr>
+          <a:xfrm>
+            <a:off x="4743348" y="906161"/>
+            <a:ext cx="7250944" cy="1845685"/>
+          </a:xfrm>
+          <a:prstGeom prst="rect">
+            <a:avLst/>
+          </a:prstGeom>
+        </p:spPr>
+        <p:txBody>
+          <a:bodyPr vert="horz" lIns="91440" tIns="45720" rIns="91440" bIns="45720" rtlCol="0" anchor="b">
+            <a:noAutofit/>
+          </a:bodyPr>
+          <a:lstStyle>
+            <a:lvl1pPr algn="ctr" defTabSz="914400" rtl="0" eaLnBrk="1" latinLnBrk="1" hangingPunct="1">
+              <a:lnSpc>
+                <a:spcPct val="90000"/>
+              </a:lnSpc>
+              <a:spcBef>
+                <a:spcPct val="0"/>
+              </a:spcBef>
+              <a:buNone/>
+              <a:defRPr sz="6000" kern="1200">
+                <a:solidFill>
+                  <a:schemeClr val="tx1"/>
+                </a:solidFill>
+                <a:latin typeface="+mj-lt"/>
+                <a:ea typeface="+mj-ea"/>
+                <a:cs typeface="+mj-cs"/>
+              </a:defRPr>
+            </a:lvl1pPr>
+          </a:lstStyle>
+          <a:p>
+            <a:pPr algn="l">
+              <a:lnSpc>
+                <a:spcPct val="150000"/>
+              </a:lnSpc>
+            </a:pPr>
+            <a:r>
+              <a:rPr lang="en-US" altLang="ko-KR" sz="2400" dirty="0" smtClean="0">
+                <a:solidFill>
+                  <a:schemeClr val="bg1"/>
+                </a:solidFill>
+                <a:latin typeface="Noto Sans CJK KR Black" panose="020B0A00000000000000" pitchFamily="34" charset="-127"/>
+                <a:ea typeface="Noto Sans CJK KR Black" panose="020B0A00000000000000" pitchFamily="34" charset="-127"/>
+              </a:rPr>
+              <a:t>2.SAP </a:t>
+            </a:r>
+            <a:r>
+              <a:rPr lang="ko-KR" altLang="en-US" sz="2400" dirty="0" smtClean="0">
+                <a:solidFill>
+                  <a:schemeClr val="bg1"/>
+                </a:solidFill>
+                <a:latin typeface="Noto Sans CJK KR Black" panose="020B0A00000000000000" pitchFamily="34" charset="-127"/>
+                <a:ea typeface="Noto Sans CJK KR Black" panose="020B0A00000000000000" pitchFamily="34" charset="-127"/>
+              </a:rPr>
+              <a:t>설치 </a:t>
+            </a:r>
+            <a:r>
+              <a:rPr lang="ko-KR" altLang="en-US" sz="2400" dirty="0" err="1" smtClean="0">
+                <a:solidFill>
+                  <a:schemeClr val="bg1"/>
+                </a:solidFill>
+                <a:latin typeface="Noto Sans CJK KR Black" panose="020B0A00000000000000" pitchFamily="34" charset="-127"/>
+                <a:ea typeface="Noto Sans CJK KR Black" panose="020B0A00000000000000" pitchFamily="34" charset="-127"/>
+              </a:rPr>
+              <a:t>세팅</a:t>
+            </a:r>
+            <a:endParaRPr lang="en-US" altLang="ko-KR" sz="2400" dirty="0" smtClean="0">
+              <a:solidFill>
+                <a:schemeClr val="bg1"/>
+              </a:solidFill>
+              <a:latin typeface="Noto Sans CJK KR Black" panose="020B0A00000000000000" pitchFamily="34" charset="-127"/>
+              <a:ea typeface="Noto Sans CJK KR Black" panose="020B0A00000000000000" pitchFamily="34" charset="-127"/>
+            </a:endParaRPr>
+          </a:p>
+          <a:p>
+            <a:pPr marL="457200" indent="-457200" algn="l">
+              <a:lnSpc>
+                <a:spcPct val="150000"/>
+              </a:lnSpc>
+              <a:buAutoNum type="arabicPeriod"/>
+            </a:pPr>
+            <a:r>
+              <a:rPr lang="en-US" altLang="ko-KR" sz="1800" dirty="0" smtClean="0">
+                <a:solidFill>
+                  <a:schemeClr val="bg1">
+                    <a:lumMod val="75000"/>
+                  </a:schemeClr>
+                </a:solidFill>
+                <a:latin typeface="Noto Sans CJK KR Medium" panose="020B0600000000000000" pitchFamily="34" charset="-127"/>
+                <a:ea typeface="Noto Sans CJK KR Medium" panose="020B0600000000000000" pitchFamily="34" charset="-127"/>
+              </a:rPr>
+              <a:t>Screen Painter </a:t>
+            </a:r>
+            <a:r>
+              <a:rPr lang="ko-KR" altLang="en-US" sz="1800" dirty="0" smtClean="0">
+                <a:solidFill>
+                  <a:schemeClr val="bg1">
+                    <a:lumMod val="75000"/>
+                  </a:schemeClr>
+                </a:solidFill>
+                <a:latin typeface="Noto Sans CJK KR Medium" panose="020B0600000000000000" pitchFamily="34" charset="-127"/>
+                <a:ea typeface="Noto Sans CJK KR Medium" panose="020B0600000000000000" pitchFamily="34" charset="-127"/>
+              </a:rPr>
+              <a:t>및 </a:t>
+            </a:r>
+            <a:r>
+              <a:rPr lang="en-US" altLang="ko-KR" sz="1800" dirty="0" smtClean="0">
+                <a:solidFill>
+                  <a:schemeClr val="bg1">
+                    <a:lumMod val="75000"/>
+                  </a:schemeClr>
+                </a:solidFill>
+                <a:latin typeface="Noto Sans CJK KR Medium" panose="020B0600000000000000" pitchFamily="34" charset="-127"/>
+                <a:ea typeface="Noto Sans CJK KR Medium" panose="020B0600000000000000" pitchFamily="34" charset="-127"/>
+              </a:rPr>
+              <a:t>DI API 32bit</a:t>
+            </a:r>
+            <a:r>
+              <a:rPr lang="ko-KR" altLang="en-US" sz="1800" dirty="0" smtClean="0">
+                <a:solidFill>
+                  <a:schemeClr val="bg1">
+                    <a:lumMod val="75000"/>
+                  </a:schemeClr>
+                </a:solidFill>
+                <a:latin typeface="Noto Sans CJK KR Medium" panose="020B0600000000000000" pitchFamily="34" charset="-127"/>
+                <a:ea typeface="Noto Sans CJK KR Medium" panose="020B0600000000000000" pitchFamily="34" charset="-127"/>
+              </a:rPr>
+              <a:t>인 경우 </a:t>
+            </a:r>
+            <a:r>
+              <a:rPr lang="en-US" altLang="ko-KR" sz="1800" dirty="0" smtClean="0">
+                <a:solidFill>
+                  <a:schemeClr val="bg1">
+                    <a:lumMod val="75000"/>
+                  </a:schemeClr>
+                </a:solidFill>
+                <a:latin typeface="Noto Sans CJK KR Medium" panose="020B0600000000000000" pitchFamily="34" charset="-127"/>
+                <a:ea typeface="Noto Sans CJK KR Medium" panose="020B0600000000000000" pitchFamily="34" charset="-127"/>
+              </a:rPr>
+              <a:t>32</a:t>
+            </a:r>
+            <a:r>
+              <a:rPr lang="en-US" altLang="ko-KR" sz="1800" dirty="0" smtClean="0">
+                <a:solidFill>
+                  <a:schemeClr val="bg1">
+                    <a:lumMod val="75000"/>
+                  </a:schemeClr>
+                </a:solidFill>
+                <a:latin typeface="Noto Sans CJK KR Medium" panose="020B0600000000000000" pitchFamily="34" charset="-127"/>
+                <a:ea typeface="Noto Sans CJK KR Medium" panose="020B0600000000000000" pitchFamily="34" charset="-127"/>
+              </a:rPr>
+              <a:t>bit </a:t>
+            </a:r>
+            <a:r>
+              <a:rPr lang="ko-KR" altLang="en-US" sz="1800" dirty="0" smtClean="0">
+                <a:solidFill>
+                  <a:schemeClr val="bg1">
+                    <a:lumMod val="75000"/>
+                  </a:schemeClr>
+                </a:solidFill>
+                <a:latin typeface="Noto Sans CJK KR Medium" panose="020B0600000000000000" pitchFamily="34" charset="-127"/>
+                <a:ea typeface="Noto Sans CJK KR Medium" panose="020B0600000000000000" pitchFamily="34" charset="-127"/>
+              </a:rPr>
+              <a:t>만 설치</a:t>
+            </a:r>
+            <a:endParaRPr lang="en-US" altLang="ko-KR" sz="1800" dirty="0" smtClean="0">
+              <a:solidFill>
+                <a:schemeClr val="bg1">
+                  <a:lumMod val="75000"/>
+                </a:schemeClr>
+              </a:solidFill>
+              <a:latin typeface="Noto Sans CJK KR Medium" panose="020B0600000000000000" pitchFamily="34" charset="-127"/>
+              <a:ea typeface="Noto Sans CJK KR Medium" panose="020B0600000000000000" pitchFamily="34" charset="-127"/>
+            </a:endParaRPr>
+          </a:p>
+        </p:txBody>
+      </p:sp>
+    </p:spTree>
+    <p:extLst>
+      <p:ext uri="{BB962C8B-B14F-4D97-AF65-F5344CB8AC3E}">
+        <p14:creationId xmlns:p14="http://schemas.microsoft.com/office/powerpoint/2010/main" val="2795247439"/>
       </p:ext>
     </p:extLst>
   </p:cSld>
